--- a/4-3 Visuals.pptx
+++ b/4-3 Visuals.pptx
@@ -254,7 +254,7 @@
           <a:p>
             <a:fld id="{1D2ABD1D-6DBA-4F99-BB86-EF187C4599D5}" type="datetimeFigureOut">
               <a:rPr lang="en-US" smtClean="0"/>
-              <a:t>12/7/2017</a:t>
+              <a:t>12/14/2017</a:t>
             </a:fld>
             <a:endParaRPr lang="en-US"/>
           </a:p>
@@ -424,7 +424,7 @@
           <a:p>
             <a:fld id="{1D2ABD1D-6DBA-4F99-BB86-EF187C4599D5}" type="datetimeFigureOut">
               <a:rPr lang="en-US" smtClean="0"/>
-              <a:t>12/7/2017</a:t>
+              <a:t>12/14/2017</a:t>
             </a:fld>
             <a:endParaRPr lang="en-US"/>
           </a:p>
@@ -604,7 +604,7 @@
           <a:p>
             <a:fld id="{1D2ABD1D-6DBA-4F99-BB86-EF187C4599D5}" type="datetimeFigureOut">
               <a:rPr lang="en-US" smtClean="0"/>
-              <a:t>12/7/2017</a:t>
+              <a:t>12/14/2017</a:t>
             </a:fld>
             <a:endParaRPr lang="en-US"/>
           </a:p>
@@ -774,7 +774,7 @@
           <a:p>
             <a:fld id="{1D2ABD1D-6DBA-4F99-BB86-EF187C4599D5}" type="datetimeFigureOut">
               <a:rPr lang="en-US" smtClean="0"/>
-              <a:t>12/7/2017</a:t>
+              <a:t>12/14/2017</a:t>
             </a:fld>
             <a:endParaRPr lang="en-US"/>
           </a:p>
@@ -1018,7 +1018,7 @@
           <a:p>
             <a:fld id="{1D2ABD1D-6DBA-4F99-BB86-EF187C4599D5}" type="datetimeFigureOut">
               <a:rPr lang="en-US" smtClean="0"/>
-              <a:t>12/7/2017</a:t>
+              <a:t>12/14/2017</a:t>
             </a:fld>
             <a:endParaRPr lang="en-US"/>
           </a:p>
@@ -1250,7 +1250,7 @@
           <a:p>
             <a:fld id="{1D2ABD1D-6DBA-4F99-BB86-EF187C4599D5}" type="datetimeFigureOut">
               <a:rPr lang="en-US" smtClean="0"/>
-              <a:t>12/7/2017</a:t>
+              <a:t>12/14/2017</a:t>
             </a:fld>
             <a:endParaRPr lang="en-US"/>
           </a:p>
@@ -1617,7 +1617,7 @@
           <a:p>
             <a:fld id="{1D2ABD1D-6DBA-4F99-BB86-EF187C4599D5}" type="datetimeFigureOut">
               <a:rPr lang="en-US" smtClean="0"/>
-              <a:t>12/7/2017</a:t>
+              <a:t>12/14/2017</a:t>
             </a:fld>
             <a:endParaRPr lang="en-US"/>
           </a:p>
@@ -1735,7 +1735,7 @@
           <a:p>
             <a:fld id="{1D2ABD1D-6DBA-4F99-BB86-EF187C4599D5}" type="datetimeFigureOut">
               <a:rPr lang="en-US" smtClean="0"/>
-              <a:t>12/7/2017</a:t>
+              <a:t>12/14/2017</a:t>
             </a:fld>
             <a:endParaRPr lang="en-US"/>
           </a:p>
@@ -1830,7 +1830,7 @@
           <a:p>
             <a:fld id="{1D2ABD1D-6DBA-4F99-BB86-EF187C4599D5}" type="datetimeFigureOut">
               <a:rPr lang="en-US" smtClean="0"/>
-              <a:t>12/7/2017</a:t>
+              <a:t>12/14/2017</a:t>
             </a:fld>
             <a:endParaRPr lang="en-US"/>
           </a:p>
@@ -2107,7 +2107,7 @@
           <a:p>
             <a:fld id="{1D2ABD1D-6DBA-4F99-BB86-EF187C4599D5}" type="datetimeFigureOut">
               <a:rPr lang="en-US" smtClean="0"/>
-              <a:t>12/7/2017</a:t>
+              <a:t>12/14/2017</a:t>
             </a:fld>
             <a:endParaRPr lang="en-US"/>
           </a:p>
@@ -2364,7 +2364,7 @@
           <a:p>
             <a:fld id="{1D2ABD1D-6DBA-4F99-BB86-EF187C4599D5}" type="datetimeFigureOut">
               <a:rPr lang="en-US" smtClean="0"/>
-              <a:t>12/7/2017</a:t>
+              <a:t>12/14/2017</a:t>
             </a:fld>
             <a:endParaRPr lang="en-US"/>
           </a:p>
@@ -2577,7 +2577,7 @@
           <a:p>
             <a:fld id="{1D2ABD1D-6DBA-4F99-BB86-EF187C4599D5}" type="datetimeFigureOut">
               <a:rPr lang="en-US" smtClean="0"/>
-              <a:t>12/7/2017</a:t>
+              <a:t>12/14/2017</a:t>
             </a:fld>
             <a:endParaRPr lang="en-US"/>
           </a:p>
@@ -3008,7 +3008,7 @@
               <a:fillRect l="6442" t="15928" r="-14110" b="306"/>
             </a:stretch>
           </a:blipFill>
-          <a:ln>
+          <a:ln w="38100">
             <a:solidFill>
               <a:schemeClr val="accent1">
                 <a:lumMod val="50000"/>
